--- a/Workshop_5/workshop-6-slides.pptx
+++ b/Workshop_5/workshop-6-slides.pptx
@@ -22994,9 +22994,16 @@
             <p:ph idx="1"/>
           </p:nvPr>
         </p:nvSpPr>
-        <p:spPr/>
+        <p:spPr>
+          <a:xfrm>
+            <a:off x="1484311" y="1969769"/>
+            <a:ext cx="10018713" cy="3124201"/>
+          </a:xfrm>
+        </p:spPr>
         <p:txBody>
-          <a:bodyPr anchor="t"/>
+          <a:bodyPr anchor="t">
+            <a:normAutofit fontScale="92500" lnSpcReduction="10000"/>
+          </a:bodyPr>
           <a:lstStyle/>
           <a:p>
             <a:r>
@@ -23018,6 +23025,45 @@
               </a:rPr>
               <a:t>http://packetlife.net/media/library/13/Wireshark_Display_Filters.pdf</a:t>
             </a:r>
+            <a:endParaRPr lang="en-US" dirty="0"/>
+          </a:p>
+          <a:p>
+            <a:r>
+              <a:rPr lang="en-US" dirty="0"/>
+              <a:t>Top 15 Capture Filters: </a:t>
+            </a:r>
+          </a:p>
+          <a:p>
+            <a:pPr lvl="1"/>
+            <a:r>
+              <a:rPr lang="en-US" dirty="0">
+                <a:hlinkClick r:id="rId3"/>
+              </a:rPr>
+              <a:t>https://www.cellstream.com/reference-reading/tipsandtricks/379-top-10-wireshark-filters-2</a:t>
+            </a:r>
+            <a:endParaRPr lang="en-US" dirty="0"/>
+          </a:p>
+          <a:p>
+            <a:r>
+              <a:rPr lang="en-US" dirty="0"/>
+              <a:t>Top Display Filters: </a:t>
+            </a:r>
+          </a:p>
+          <a:p>
+            <a:pPr lvl="1"/>
+            <a:r>
+              <a:rPr lang="en-US" dirty="0">
+                <a:hlinkClick r:id="rId4"/>
+              </a:rPr>
+              <a:t>https://insights.profitap.com/14-powerful-wireshark-filters-to-use</a:t>
+            </a:r>
+            <a:endParaRPr lang="en-US" dirty="0"/>
+          </a:p>
+          <a:p>
+            <a:pPr lvl="1"/>
+            <a:endParaRPr lang="en-US" dirty="0"/>
+          </a:p>
+          <a:p>
             <a:endParaRPr lang="en-US" dirty="0"/>
           </a:p>
           <a:p>
